--- a/Documentation/PECSN-MerryGoRound.pptx
+++ b/Documentation/PECSN-MerryGoRound.pptx
@@ -127,8 +127,8 @@
 <file path=ppt/revisionInfo.xml><?xml version="1.0" encoding="utf-8"?>
 <p1510:revInfo xmlns:a="http://schemas.openxmlformats.org/drawingml/2006/main" xmlns:r="http://schemas.openxmlformats.org/officeDocument/2006/relationships" xmlns:p1510="http://schemas.microsoft.com/office/powerpoint/2015/10/main">
   <p1510:revLst>
-    <p1510:client id="{7604BA12-D611-4692-AB05-C6CBFF9CD7EF}" v="7133" dt="2023-01-15T11:30:16.842"/>
-    <p1510:client id="{7849A22C-417E-4920-A360-3DB8FA8A9E95}" v="119" dt="2023-01-15T11:31:52.535"/>
+    <p1510:client id="{7604BA12-D611-4692-AB05-C6CBFF9CD7EF}" v="85" dt="2023-01-30T09:26:32.632"/>
+    <p1510:client id="{9E5256FE-C5DF-414C-8FFB-F4930DCCFDED}" v="1" dt="2023-01-30T08:59:15.094"/>
   </p1510:revLst>
 </p1510:revInfo>
 </file>
@@ -215,7 +215,7 @@
           <a:p>
             <a:fld id="{B8B82ED7-0CD8-4737-8944-F40600049052}" type="datetimeFigureOut">
               <a:rPr lang="en-GB" smtClean="0"/>
-              <a:t>15/01/2023</a:t>
+              <a:t>04/02/2023</a:t>
             </a:fld>
             <a:endParaRPr lang="en-GB"/>
           </a:p>
@@ -793,7 +793,7 @@
           <a:p>
             <a:fld id="{9940E4A9-CBC9-4924-AA16-D618736F995C}" type="datetimeFigureOut">
               <a:rPr lang="en-GB" smtClean="0"/>
-              <a:t>15/01/2023</a:t>
+              <a:t>04/02/2023</a:t>
             </a:fld>
             <a:endParaRPr lang="en-GB"/>
           </a:p>
@@ -1001,7 +1001,7 @@
           <a:p>
             <a:fld id="{9940E4A9-CBC9-4924-AA16-D618736F995C}" type="datetimeFigureOut">
               <a:rPr lang="en-GB" smtClean="0"/>
-              <a:t>15/01/2023</a:t>
+              <a:t>04/02/2023</a:t>
             </a:fld>
             <a:endParaRPr lang="en-GB"/>
           </a:p>
@@ -1257,7 +1257,7 @@
           <a:p>
             <a:fld id="{9940E4A9-CBC9-4924-AA16-D618736F995C}" type="datetimeFigureOut">
               <a:rPr lang="en-GB" smtClean="0"/>
-              <a:t>15/01/2023</a:t>
+              <a:t>04/02/2023</a:t>
             </a:fld>
             <a:endParaRPr lang="en-GB"/>
           </a:p>
@@ -1427,7 +1427,7 @@
           <a:p>
             <a:fld id="{9940E4A9-CBC9-4924-AA16-D618736F995C}" type="datetimeFigureOut">
               <a:rPr lang="en-GB" smtClean="0"/>
-              <a:t>15/01/2023</a:t>
+              <a:t>04/02/2023</a:t>
             </a:fld>
             <a:endParaRPr lang="en-GB"/>
           </a:p>
@@ -1770,7 +1770,7 @@
           <a:p>
             <a:fld id="{9940E4A9-CBC9-4924-AA16-D618736F995C}" type="datetimeFigureOut">
               <a:rPr lang="en-GB" smtClean="0"/>
-              <a:t>15/01/2023</a:t>
+              <a:t>04/02/2023</a:t>
             </a:fld>
             <a:endParaRPr lang="en-GB"/>
           </a:p>
@@ -2045,7 +2045,7 @@
           <a:p>
             <a:fld id="{9940E4A9-CBC9-4924-AA16-D618736F995C}" type="datetimeFigureOut">
               <a:rPr lang="en-GB" smtClean="0"/>
-              <a:t>15/01/2023</a:t>
+              <a:t>04/02/2023</a:t>
             </a:fld>
             <a:endParaRPr lang="en-GB"/>
           </a:p>
@@ -2424,7 +2424,7 @@
           <a:p>
             <a:fld id="{9940E4A9-CBC9-4924-AA16-D618736F995C}" type="datetimeFigureOut">
               <a:rPr lang="en-GB" smtClean="0"/>
-              <a:t>15/01/2023</a:t>
+              <a:t>04/02/2023</a:t>
             </a:fld>
             <a:endParaRPr lang="en-GB"/>
           </a:p>
@@ -2542,7 +2542,7 @@
           <a:p>
             <a:fld id="{9940E4A9-CBC9-4924-AA16-D618736F995C}" type="datetimeFigureOut">
               <a:rPr lang="en-GB" smtClean="0"/>
-              <a:t>15/01/2023</a:t>
+              <a:t>04/02/2023</a:t>
             </a:fld>
             <a:endParaRPr lang="en-GB"/>
           </a:p>
@@ -2713,7 +2713,7 @@
           <a:p>
             <a:fld id="{9940E4A9-CBC9-4924-AA16-D618736F995C}" type="datetimeFigureOut">
               <a:rPr lang="en-GB" smtClean="0"/>
-              <a:t>15/01/2023</a:t>
+              <a:t>04/02/2023</a:t>
             </a:fld>
             <a:endParaRPr lang="en-GB"/>
           </a:p>
@@ -3067,7 +3067,7 @@
           <a:p>
             <a:fld id="{9940E4A9-CBC9-4924-AA16-D618736F995C}" type="datetimeFigureOut">
               <a:rPr lang="en-GB" smtClean="0"/>
-              <a:t>15/01/2023</a:t>
+              <a:t>04/02/2023</a:t>
             </a:fld>
             <a:endParaRPr lang="en-GB"/>
           </a:p>
@@ -3444,7 +3444,7 @@
           <a:p>
             <a:fld id="{9940E4A9-CBC9-4924-AA16-D618736F995C}" type="datetimeFigureOut">
               <a:rPr lang="en-GB" smtClean="0"/>
-              <a:t>15/01/2023</a:t>
+              <a:t>04/02/2023</a:t>
             </a:fld>
             <a:endParaRPr lang="en-GB"/>
           </a:p>
@@ -3731,7 +3731,7 @@
           <a:p>
             <a:fld id="{9940E4A9-CBC9-4924-AA16-D618736F995C}" type="datetimeFigureOut">
               <a:rPr lang="en-GB" smtClean="0"/>
-              <a:t>15/01/2023</a:t>
+              <a:t>04/02/2023</a:t>
             </a:fld>
             <a:endParaRPr lang="en-GB"/>
           </a:p>
@@ -5144,7 +5144,7 @@
               </a:lnSpc>
             </a:pPr>
             <a:r>
-              <a:rPr lang="en-US" b="1" dirty="0"/>
+              <a:rPr lang="en-US" b="1"/>
               <a:t>After the presented analysis we can conclude that:</a:t>
             </a:r>
           </a:p>
@@ -5157,15 +5157,15 @@
               <a:buChar char="Ø"/>
             </a:pPr>
             <a:r>
-              <a:rPr lang="en-US" dirty="0"/>
+              <a:rPr lang="en-US"/>
               <a:t>Highest C.U.T. for smallest </a:t>
             </a:r>
             <a:r>
-              <a:rPr lang="en-US" dirty="0" err="1"/>
+              <a:rPr lang="en-US" err="1"/>
               <a:t>vFraction</a:t>
             </a:r>
             <a:r>
-              <a:rPr lang="en-US" dirty="0"/>
+              <a:rPr lang="en-US"/>
               <a:t> and highest Q values</a:t>
             </a:r>
           </a:p>
@@ -5178,7 +5178,7 @@
               <a:buChar char="Ø"/>
             </a:pPr>
             <a:r>
-              <a:rPr lang="en-US" dirty="0"/>
+              <a:rPr lang="en-US"/>
               <a:t>To minimize utilization without reducing significantly C.U.T. select smallest T  </a:t>
             </a:r>
           </a:p>
@@ -5191,15 +5191,15 @@
               <a:buChar char="Ø"/>
             </a:pPr>
             <a:r>
-              <a:rPr lang="en-US" dirty="0"/>
+              <a:rPr lang="en-US"/>
               <a:t>Tune the </a:t>
             </a:r>
             <a:r>
-              <a:rPr lang="en-US" dirty="0" err="1"/>
+              <a:rPr lang="en-US" err="1"/>
               <a:t>vFraction</a:t>
             </a:r>
             <a:r>
-              <a:rPr lang="en-US" dirty="0"/>
+              <a:rPr lang="en-US"/>
               <a:t> value taking into account trade off between utilization and C.U.T.</a:t>
             </a:r>
           </a:p>
@@ -5234,12 +5234,12 @@
           <a:lstStyle/>
           <a:p>
             <a:r>
-              <a:rPr lang="en-US" b="1" dirty="0"/>
+              <a:rPr lang="en-US" b="1"/>
               <a:t>Suggested insight:</a:t>
             </a:r>
           </a:p>
           <a:p>
-            <a:endParaRPr lang="en-US" b="1" dirty="0"/>
+            <a:endParaRPr lang="en-US" b="1"/>
           </a:p>
           <a:p>
             <a:pPr marL="285750" indent="-285750">
@@ -5247,7 +5247,7 @@
               <a:buChar char="•"/>
             </a:pPr>
             <a:r>
-              <a:rPr lang="en-US" dirty="0"/>
+              <a:rPr lang="en-US"/>
               <a:t>If the market allows to increase the paid coin per ride by increasing T, this could lead to a significant increase of C.U.T without heavily affecting the cost</a:t>
             </a:r>
           </a:p>
@@ -5980,7 +5980,7 @@
                 <a:latin typeface="Calibri" panose="020F0502020204030204" pitchFamily="34" charset="0"/>
                 <a:ea typeface="Calibri" panose="020F0502020204030204" pitchFamily="34" charset="0"/>
               </a:rPr>
-              <a:t>Enjoying a ride has a grater priority than leaving the queue in case of simultaneous events</a:t>
+              <a:t>Enjoying a ride has a greater priority than leaving the queue in case of simultaneous events</a:t>
             </a:r>
           </a:p>
           <a:p>
@@ -7101,7 +7101,25 @@
                     <a:ea typeface="Calibri" panose="020F0502020204030204" pitchFamily="34" charset="0"/>
                     <a:cs typeface="Calibri" panose="020F0502020204030204" pitchFamily="34" charset="0"/>
                   </a:rPr>
-                  <a:t> 	Exponential distribution mean inter-arrival time of a child or a group of children</a:t>
+                  <a:t> 	Exponential distribution </a:t>
+                </a:r>
+                <a:r>
+                  <a:rPr lang="en-GB" sz="1800" b="1">
+                    <a:effectLst/>
+                    <a:latin typeface="Calibri" panose="020F0502020204030204" pitchFamily="34" charset="0"/>
+                    <a:ea typeface="Calibri" panose="020F0502020204030204" pitchFamily="34" charset="0"/>
+                    <a:cs typeface="Calibri" panose="020F0502020204030204" pitchFamily="34" charset="0"/>
+                  </a:rPr>
+                  <a:t>mean inter-arrival time</a:t>
+                </a:r>
+                <a:r>
+                  <a:rPr lang="en-GB" sz="1800">
+                    <a:effectLst/>
+                    <a:latin typeface="Calibri" panose="020F0502020204030204" pitchFamily="34" charset="0"/>
+                    <a:ea typeface="Calibri" panose="020F0502020204030204" pitchFamily="34" charset="0"/>
+                    <a:cs typeface="Calibri" panose="020F0502020204030204" pitchFamily="34" charset="0"/>
+                  </a:rPr>
+                  <a:t> of a child or a group of children</a:t>
                 </a:r>
                 <a:endParaRPr lang="en-GB" sz="1800">
                   <a:effectLst/>
@@ -8944,49 +8962,49 @@
               <p:nvPr>
                 <p:extLst>
                   <p:ext uri="{D42A27DB-BD31-4B8C-83A1-F6EECF244321}">
-                    <p14:modId xmlns:p14="http://schemas.microsoft.com/office/powerpoint/2010/main" val="131317570"/>
+                    <p14:modId xmlns:p14="http://schemas.microsoft.com/office/powerpoint/2010/main" val="3811874813"/>
                   </p:ext>
                 </p:extLst>
               </p:nvPr>
             </p:nvGraphicFramePr>
             <p:xfrm>
-              <a:off x="4648199" y="3850427"/>
-              <a:ext cx="6715126" cy="2263691"/>
+              <a:off x="4175760" y="3850427"/>
+              <a:ext cx="7187565" cy="2263691"/>
             </p:xfrm>
             <a:graphic>
               <a:graphicData uri="http://schemas.openxmlformats.org/drawingml/2006/table">
                 <a:tbl>
                   <a:tblPr firstRow="1" firstCol="1" bandRow="1"/>
                   <a:tblGrid>
-                    <a:gridCol w="1629325">
+                    <a:gridCol w="1531620">
                       <a:extLst>
                         <a:ext uri="{9D8B030D-6E8A-4147-A177-3AD203B41FA5}">
                           <a16:colId xmlns:a16="http://schemas.microsoft.com/office/drawing/2014/main" val="2207708770"/>
                         </a:ext>
                       </a:extLst>
                     </a:gridCol>
-                    <a:gridCol w="1148320">
+                    <a:gridCol w="1493520">
                       <a:extLst>
                         <a:ext uri="{9D8B030D-6E8A-4147-A177-3AD203B41FA5}">
                           <a16:colId xmlns:a16="http://schemas.microsoft.com/office/drawing/2014/main" val="2301267641"/>
                         </a:ext>
                       </a:extLst>
                     </a:gridCol>
-                    <a:gridCol w="1193032">
+                    <a:gridCol w="1224891">
                       <a:extLst>
                         <a:ext uri="{9D8B030D-6E8A-4147-A177-3AD203B41FA5}">
                           <a16:colId xmlns:a16="http://schemas.microsoft.com/office/drawing/2014/main" val="625227151"/>
                         </a:ext>
                       </a:extLst>
                     </a:gridCol>
-                    <a:gridCol w="1232326">
+                    <a:gridCol w="1319026">
                       <a:extLst>
                         <a:ext uri="{9D8B030D-6E8A-4147-A177-3AD203B41FA5}">
                           <a16:colId xmlns:a16="http://schemas.microsoft.com/office/drawing/2014/main" val="3999517372"/>
                         </a:ext>
                       </a:extLst>
                     </a:gridCol>
-                    <a:gridCol w="1512123">
+                    <a:gridCol w="1618508">
                       <a:extLst>
                         <a:ext uri="{9D8B030D-6E8A-4147-A177-3AD203B41FA5}">
                           <a16:colId xmlns:a16="http://schemas.microsoft.com/office/drawing/2014/main" val="516041431"/>
@@ -9438,7 +9456,7 @@
                                 <m:f>
                                   <m:fPr>
                                     <m:ctrlPr>
-                                      <a:rPr lang="en-GB" sz="1100" i="1">
+                                      <a:rPr lang="en-GB" sz="1100" i="1" smtClean="0">
                                         <a:effectLst/>
                                         <a:latin typeface="Cambria Math" panose="02040503050406030204" pitchFamily="18" charset="0"/>
                                         <a:ea typeface="Calibri" panose="020F0502020204030204" pitchFamily="34" charset="0"/>
@@ -9448,13 +9466,31 @@
                                   </m:fPr>
                                   <m:num>
                                     <m:r>
-                                      <a:rPr lang="en-GB" sz="1100" i="1">
+                                      <a:rPr lang="it-IT" sz="1100" b="0" i="1" smtClean="0">
                                         <a:effectLst/>
                                         <a:latin typeface="Cambria Math" panose="02040503050406030204" pitchFamily="18" charset="0"/>
                                         <a:ea typeface="Calibri" panose="020F0502020204030204" pitchFamily="34" charset="0"/>
                                         <a:cs typeface="Arial" panose="020B0604020202020204" pitchFamily="34" charset="0"/>
                                       </a:rPr>
-                                      <m:t>𝜆</m:t>
+                                      <m:t>𝐼𝑛𝑡𝑒𝑟𝑎𝑟𝑟𝑖𝑣𝑎𝑙</m:t>
+                                    </m:r>
+                                    <m:r>
+                                      <a:rPr lang="it-IT" sz="1100" b="0" i="1" smtClean="0">
+                                        <a:effectLst/>
+                                        <a:latin typeface="Cambria Math" panose="02040503050406030204" pitchFamily="18" charset="0"/>
+                                        <a:ea typeface="Calibri" panose="020F0502020204030204" pitchFamily="34" charset="0"/>
+                                        <a:cs typeface="Arial" panose="020B0604020202020204" pitchFamily="34" charset="0"/>
+                                      </a:rPr>
+                                      <m:t> </m:t>
+                                    </m:r>
+                                    <m:r>
+                                      <a:rPr lang="it-IT" sz="1100" b="0" i="1" smtClean="0">
+                                        <a:effectLst/>
+                                        <a:latin typeface="Cambria Math" panose="02040503050406030204" pitchFamily="18" charset="0"/>
+                                        <a:ea typeface="Calibri" panose="020F0502020204030204" pitchFamily="34" charset="0"/>
+                                        <a:cs typeface="Arial" panose="020B0604020202020204" pitchFamily="34" charset="0"/>
+                                      </a:rPr>
+                                      <m:t>𝑟𝑎𝑡𝑒</m:t>
                                     </m:r>
                                   </m:num>
                                   <m:den>
@@ -9963,7 +9999,7 @@
                               <a:ea typeface="Calibri" panose="020F0502020204030204" pitchFamily="34" charset="0"/>
                               <a:cs typeface="Arial" panose="020B0604020202020204" pitchFamily="34" charset="0"/>
                             </a:rPr>
-                            <a:t>0.0099</a:t>
+                            <a:t>0.009995</a:t>
                           </a:r>
                         </a:p>
                       </a:txBody>
@@ -10972,49 +11008,49 @@
               <p:nvPr>
                 <p:extLst>
                   <p:ext uri="{D42A27DB-BD31-4B8C-83A1-F6EECF244321}">
-                    <p14:modId xmlns:p14="http://schemas.microsoft.com/office/powerpoint/2010/main" val="131317570"/>
+                    <p14:modId xmlns:p14="http://schemas.microsoft.com/office/powerpoint/2010/main" val="3811874813"/>
                   </p:ext>
                 </p:extLst>
               </p:nvPr>
             </p:nvGraphicFramePr>
             <p:xfrm>
-              <a:off x="4648199" y="3850427"/>
-              <a:ext cx="6715126" cy="2263691"/>
+              <a:off x="4175760" y="3850427"/>
+              <a:ext cx="7187565" cy="2263691"/>
             </p:xfrm>
             <a:graphic>
               <a:graphicData uri="http://schemas.openxmlformats.org/drawingml/2006/table">
                 <a:tbl>
                   <a:tblPr firstRow="1" firstCol="1" bandRow="1"/>
                   <a:tblGrid>
-                    <a:gridCol w="1629325">
+                    <a:gridCol w="1531620">
                       <a:extLst>
                         <a:ext uri="{9D8B030D-6E8A-4147-A177-3AD203B41FA5}">
                           <a16:colId xmlns:a16="http://schemas.microsoft.com/office/drawing/2014/main" val="2207708770"/>
                         </a:ext>
                       </a:extLst>
                     </a:gridCol>
-                    <a:gridCol w="1148320">
+                    <a:gridCol w="1493520">
                       <a:extLst>
                         <a:ext uri="{9D8B030D-6E8A-4147-A177-3AD203B41FA5}">
                           <a16:colId xmlns:a16="http://schemas.microsoft.com/office/drawing/2014/main" val="2301267641"/>
                         </a:ext>
                       </a:extLst>
                     </a:gridCol>
-                    <a:gridCol w="1193032">
+                    <a:gridCol w="1224891">
                       <a:extLst>
                         <a:ext uri="{9D8B030D-6E8A-4147-A177-3AD203B41FA5}">
                           <a16:colId xmlns:a16="http://schemas.microsoft.com/office/drawing/2014/main" val="625227151"/>
                         </a:ext>
                       </a:extLst>
                     </a:gridCol>
-                    <a:gridCol w="1232326">
+                    <a:gridCol w="1319026">
                       <a:extLst>
                         <a:ext uri="{9D8B030D-6E8A-4147-A177-3AD203B41FA5}">
                           <a16:colId xmlns:a16="http://schemas.microsoft.com/office/drawing/2014/main" val="3999517372"/>
                         </a:ext>
                       </a:extLst>
                     </a:gridCol>
-                    <a:gridCol w="1512123">
+                    <a:gridCol w="1618508">
                       <a:extLst>
                         <a:ext uri="{9D8B030D-6E8A-4147-A177-3AD203B41FA5}">
                           <a16:colId xmlns:a16="http://schemas.microsoft.com/office/drawing/2014/main" val="516041431"/>
@@ -11492,7 +11528,7 @@
                         <a:blipFill>
                           <a:blip r:embed="rId2"/>
                           <a:stretch>
-                            <a:fillRect l="-143085" t="-79070" r="-345213" b="-261628"/>
+                            <a:fillRect l="-102846" t="-75581" r="-278455" b="-261628"/>
                           </a:stretch>
                         </a:blipFill>
                       </a:tcPr>
@@ -11810,7 +11846,7 @@
                         <a:blipFill>
                           <a:blip r:embed="rId2"/>
                           <a:stretch>
-                            <a:fillRect l="-143085" t="-296154" r="-345213" b="-332692"/>
+                            <a:fillRect l="-102846" t="-290385" r="-278455" b="-332692"/>
                           </a:stretch>
                         </a:blipFill>
                       </a:tcPr>
@@ -11898,7 +11934,7 @@
                               <a:ea typeface="Calibri" panose="020F0502020204030204" pitchFamily="34" charset="0"/>
                               <a:cs typeface="Arial" panose="020B0604020202020204" pitchFamily="34" charset="0"/>
                             </a:rPr>
-                            <a:t>0.0099</a:t>
+                            <a:t>0.009995</a:t>
                           </a:r>
                         </a:p>
                       </a:txBody>
@@ -12128,7 +12164,7 @@
                         <a:blipFill>
                           <a:blip r:embed="rId2"/>
                           <a:stretch>
-                            <a:fillRect l="-143085" t="-231461" r="-345213" b="-94382"/>
+                            <a:fillRect l="-102846" t="-228090" r="-278455" b="-94382"/>
                           </a:stretch>
                         </a:blipFill>
                       </a:tcPr>
@@ -12446,7 +12482,7 @@
                         <a:blipFill>
                           <a:blip r:embed="rId2"/>
                           <a:stretch>
-                            <a:fillRect l="-143085" t="-364198" r="-345213" b="-3704"/>
+                            <a:fillRect l="-102846" t="-360494" r="-278455" b="-3704"/>
                           </a:stretch>
                         </a:blipFill>
                       </a:tcPr>
@@ -13502,6 +13538,85 @@
           </a:fontRef>
         </p:style>
       </p:cxnSp>
+      <p:sp>
+        <p:nvSpPr>
+          <p:cNvPr id="4" name="CasellaDiTesto 3">
+            <a:extLst>
+              <a:ext uri="{FF2B5EF4-FFF2-40B4-BE49-F238E27FC236}">
+                <a16:creationId xmlns:a16="http://schemas.microsoft.com/office/drawing/2014/main" id="{2B0C933B-26F5-B457-DD6A-283E0C7E77B3}"/>
+              </a:ext>
+            </a:extLst>
+          </p:cNvPr>
+          <p:cNvSpPr txBox="1"/>
+          <p:nvPr/>
+        </p:nvSpPr>
+        <p:spPr>
+          <a:xfrm>
+            <a:off x="9008037" y="6066195"/>
+            <a:ext cx="2424574" cy="307777"/>
+          </a:xfrm>
+          <a:prstGeom prst="rect">
+            <a:avLst/>
+          </a:prstGeom>
+          <a:noFill/>
+        </p:spPr>
+        <p:txBody>
+          <a:bodyPr wrap="none" rtlCol="0">
+            <a:spAutoFit/>
+          </a:bodyPr>
+          <a:lstStyle/>
+          <a:p>
+            <a:r>
+              <a:rPr lang="it-IT" sz="1400" i="1">
+                <a:latin typeface="Calibri" panose="020F0502020204030204" pitchFamily="34" charset="0"/>
+                <a:ea typeface="Calibri" panose="020F0502020204030204" pitchFamily="34" charset="0"/>
+                <a:cs typeface="Calibri" panose="020F0502020204030204" pitchFamily="34" charset="0"/>
+              </a:rPr>
+              <a:t>The data </a:t>
+            </a:r>
+            <a:r>
+              <a:rPr lang="en-US" sz="1400" i="1">
+                <a:latin typeface="Calibri" panose="020F0502020204030204" pitchFamily="34" charset="0"/>
+                <a:ea typeface="Calibri" panose="020F0502020204030204" pitchFamily="34" charset="0"/>
+                <a:cs typeface="Calibri" panose="020F0502020204030204" pitchFamily="34" charset="0"/>
+              </a:rPr>
+              <a:t>only</a:t>
+            </a:r>
+            <a:r>
+              <a:rPr lang="it-IT" sz="1400" i="1">
+                <a:latin typeface="Calibri" panose="020F0502020204030204" pitchFamily="34" charset="0"/>
+                <a:ea typeface="Calibri" panose="020F0502020204030204" pitchFamily="34" charset="0"/>
+                <a:cs typeface="Calibri" panose="020F0502020204030204" pitchFamily="34" charset="0"/>
+              </a:rPr>
+              <a:t> </a:t>
+            </a:r>
+            <a:r>
+              <a:rPr lang="en-US" sz="1400" i="1">
+                <a:latin typeface="Calibri" panose="020F0502020204030204" pitchFamily="34" charset="0"/>
+                <a:ea typeface="Calibri" panose="020F0502020204030204" pitchFamily="34" charset="0"/>
+                <a:cs typeface="Calibri" panose="020F0502020204030204" pitchFamily="34" charset="0"/>
+              </a:rPr>
+              <a:t>refers</a:t>
+            </a:r>
+            <a:r>
+              <a:rPr lang="it-IT" sz="1400" i="1">
+                <a:latin typeface="Calibri" panose="020F0502020204030204" pitchFamily="34" charset="0"/>
+                <a:ea typeface="Calibri" panose="020F0502020204030204" pitchFamily="34" charset="0"/>
+                <a:cs typeface="Calibri" panose="020F0502020204030204" pitchFamily="34" charset="0"/>
+              </a:rPr>
+              <a:t> to </a:t>
+            </a:r>
+            <a:r>
+              <a:rPr lang="en-GB" sz="1400" i="1">
+                <a:latin typeface="Calibri" panose="020F0502020204030204" pitchFamily="34" charset="0"/>
+                <a:ea typeface="Calibri" panose="020F0502020204030204" pitchFamily="34" charset="0"/>
+                <a:cs typeface="Calibri" panose="020F0502020204030204" pitchFamily="34" charset="0"/>
+              </a:rPr>
+              <a:t>λ=100 s</a:t>
+            </a:r>
+          </a:p>
+        </p:txBody>
+      </p:sp>
     </p:spTree>
     <p:extLst>
       <p:ext uri="{BB962C8B-B14F-4D97-AF65-F5344CB8AC3E}">
@@ -16641,15 +16756,15 @@
           <a:lstStyle/>
           <a:p>
             <a:r>
-              <a:rPr lang="en-GB" dirty="0"/>
+              <a:rPr lang="en-GB"/>
               <a:t>Coins per unit of time (C.U.T.) varying Q and </a:t>
             </a:r>
             <a:r>
-              <a:rPr lang="en-GB" dirty="0" err="1"/>
+              <a:rPr lang="en-GB" err="1"/>
               <a:t>vFraction</a:t>
             </a:r>
             <a:r>
-              <a:rPr lang="en-GB" dirty="0"/>
+              <a:rPr lang="en-GB"/>
               <a:t> factors</a:t>
             </a:r>
           </a:p>
@@ -16724,7 +16839,7 @@
           <a:lstStyle/>
           <a:p>
             <a:r>
-              <a:rPr lang="en-US" b="1" dirty="0"/>
+              <a:rPr lang="en-US" b="1"/>
               <a:t>Results: </a:t>
             </a:r>
           </a:p>
@@ -16734,14 +16849,14 @@
               <a:buChar char="•"/>
             </a:pPr>
             <a:r>
-              <a:rPr lang="en-US" dirty="0"/>
+              <a:rPr lang="en-US"/>
               <a:t>C.U.T. grows with increasing values of Q and decreasing </a:t>
             </a:r>
             <a:r>
-              <a:rPr lang="en-US" dirty="0" err="1"/>
+              <a:rPr lang="en-US" err="1"/>
               <a:t>vFraction</a:t>
             </a:r>
-            <a:endParaRPr lang="en-US" dirty="0"/>
+            <a:endParaRPr lang="en-US"/>
           </a:p>
           <a:p>
             <a:pPr marL="285750" indent="-285750">
@@ -16749,7 +16864,7 @@
               <a:buChar char="•"/>
             </a:pPr>
             <a:r>
-              <a:rPr lang="en-US" dirty="0"/>
+              <a:rPr lang="en-US"/>
               <a:t>As Q increases, different curves collapse towards the maximum</a:t>
             </a:r>
           </a:p>
@@ -16759,15 +16874,15 @@
               <a:buChar char="•"/>
             </a:pPr>
             <a:r>
-              <a:rPr lang="en-US" dirty="0"/>
+              <a:rPr lang="en-US"/>
               <a:t>Varying mean inter-arrival time, same values of </a:t>
             </a:r>
             <a:r>
-              <a:rPr lang="en-US" dirty="0" err="1"/>
+              <a:rPr lang="en-US" err="1"/>
               <a:t>vFraction</a:t>
             </a:r>
             <a:r>
-              <a:rPr lang="en-US" dirty="0"/>
+              <a:rPr lang="en-US"/>
               <a:t> reach higher C.U.T.</a:t>
             </a:r>
           </a:p>
@@ -17447,35 +17562,35 @@
               <a:buChar char="•"/>
             </a:pPr>
             <a:r>
-              <a:rPr lang="it-IT" dirty="0"/>
+              <a:rPr lang="it-IT"/>
               <a:t>T </a:t>
             </a:r>
             <a:r>
-              <a:rPr lang="en-US" dirty="0"/>
+              <a:rPr lang="en-US"/>
               <a:t>factor</a:t>
             </a:r>
             <a:r>
-              <a:rPr lang="it-IT" dirty="0"/>
+              <a:rPr lang="it-IT"/>
               <a:t> </a:t>
             </a:r>
             <a:r>
-              <a:rPr lang="en-US" dirty="0"/>
+              <a:rPr lang="en-US"/>
               <a:t>doesn’t</a:t>
             </a:r>
             <a:r>
-              <a:rPr lang="it-IT" dirty="0"/>
+              <a:rPr lang="it-IT"/>
               <a:t> impact </a:t>
             </a:r>
             <a:r>
-              <a:rPr lang="en-US" dirty="0"/>
+              <a:rPr lang="en-US"/>
               <a:t>heavily</a:t>
             </a:r>
             <a:r>
-              <a:rPr lang="it-IT" dirty="0"/>
+              <a:rPr lang="it-IT"/>
               <a:t> on </a:t>
             </a:r>
             <a:r>
-              <a:rPr lang="en-US" dirty="0"/>
+              <a:rPr lang="en-US"/>
               <a:t>earnings</a:t>
             </a:r>
           </a:p>
@@ -17485,7 +17600,7 @@
               <a:buChar char="•"/>
             </a:pPr>
             <a:r>
-              <a:rPr lang="en-US" dirty="0"/>
+              <a:rPr lang="en-US"/>
               <a:t>Utilization considered as metric of cost for the owner</a:t>
             </a:r>
           </a:p>
@@ -17495,7 +17610,7 @@
               <a:buChar char="•"/>
             </a:pPr>
             <a:r>
-              <a:rPr lang="en-GB" dirty="0"/>
+              <a:rPr lang="en-GB"/>
               <a:t>The curves are the ones with coins per unit of time over 90% of the maximum</a:t>
             </a:r>
           </a:p>
@@ -17505,7 +17620,7 @@
               <a:buChar char="•"/>
             </a:pPr>
             <a:r>
-              <a:rPr lang="en-GB" dirty="0"/>
+              <a:rPr lang="en-GB"/>
               <a:t>The objective is to minimize the cost maintaining an acceptable C.U.T.</a:t>
             </a:r>
           </a:p>
@@ -17594,7 +17709,7 @@
           <a:lstStyle/>
           <a:p>
             <a:r>
-              <a:rPr lang="en-US" b="1" dirty="0"/>
+              <a:rPr lang="en-US" b="1"/>
               <a:t>Results: </a:t>
             </a:r>
           </a:p>
@@ -17604,15 +17719,15 @@
               <a:buChar char="•"/>
             </a:pPr>
             <a:r>
-              <a:rPr lang="en-US" dirty="0"/>
+              <a:rPr lang="en-US"/>
               <a:t>Utilization decreases with increasing </a:t>
             </a:r>
             <a:r>
-              <a:rPr lang="en-US" dirty="0" err="1"/>
+              <a:rPr lang="en-US" err="1"/>
               <a:t>vFraction</a:t>
             </a:r>
             <a:r>
-              <a:rPr lang="en-US" dirty="0"/>
+              <a:rPr lang="en-US"/>
               <a:t> and decreasing T</a:t>
             </a:r>
           </a:p>
@@ -17622,7 +17737,7 @@
               <a:buChar char="•"/>
             </a:pPr>
             <a:r>
-              <a:rPr lang="en-US" dirty="0"/>
+              <a:rPr lang="en-US"/>
               <a:t>Different scenarios show the same trend but different values</a:t>
             </a:r>
           </a:p>
@@ -17632,7 +17747,7 @@
               <a:buChar char="•"/>
             </a:pPr>
             <a:r>
-              <a:rPr lang="en-US" dirty="0"/>
+              <a:rPr lang="en-US"/>
               <a:t>Changing Q the number of acceptable curves decreases</a:t>
             </a:r>
           </a:p>
@@ -18207,7 +18322,7 @@
           <a:lstStyle/>
           <a:p>
             <a:r>
-              <a:rPr lang="en-US" b="1" dirty="0"/>
+              <a:rPr lang="en-US" b="1"/>
               <a:t>Results:</a:t>
             </a:r>
           </a:p>
@@ -18217,7 +18332,7 @@
               <a:buChar char="•"/>
             </a:pPr>
             <a:r>
-              <a:rPr lang="en-US" dirty="0"/>
+              <a:rPr lang="en-US"/>
               <a:t>For low values of Q, bulk reaches higher values of C.U.T.</a:t>
             </a:r>
           </a:p>
@@ -18227,7 +18342,7 @@
               <a:buChar char="•"/>
             </a:pPr>
             <a:r>
-              <a:rPr lang="en-US" dirty="0"/>
+              <a:rPr lang="en-US"/>
               <a:t>For high values of Q, single reaches higher values of C.U.T.</a:t>
             </a:r>
           </a:p>
@@ -18237,14 +18352,14 @@
               <a:buChar char="•"/>
             </a:pPr>
             <a:r>
-              <a:rPr lang="en-US" dirty="0"/>
+              <a:rPr lang="en-US"/>
               <a:t>The intersection point moves towards higher Q values with increasing values of </a:t>
             </a:r>
             <a:r>
-              <a:rPr lang="en-US" dirty="0" err="1"/>
+              <a:rPr lang="en-US" err="1"/>
               <a:t>vFraction</a:t>
             </a:r>
-            <a:endParaRPr lang="en-US" dirty="0"/>
+            <a:endParaRPr lang="en-US"/>
           </a:p>
           <a:p>
             <a:pPr marL="285750" indent="-285750">
@@ -18252,14 +18367,14 @@
               <a:buChar char="•"/>
             </a:pPr>
             <a:r>
-              <a:rPr lang="en-US" dirty="0"/>
+              <a:rPr lang="en-US"/>
               <a:t>The intersection point moves towards lower Q values increasing the load, fixing </a:t>
             </a:r>
             <a:r>
-              <a:rPr lang="en-US" dirty="0" err="1"/>
+              <a:rPr lang="en-US" err="1"/>
               <a:t>vFraction</a:t>
             </a:r>
-            <a:endParaRPr lang="en-US" dirty="0"/>
+            <a:endParaRPr lang="en-US"/>
           </a:p>
         </p:txBody>
       </p:sp>

--- a/Documentation/PECSN-MerryGoRound.pptx
+++ b/Documentation/PECSN-MerryGoRound.pptx
@@ -128,7 +128,7 @@
 <p1510:revInfo xmlns:a="http://schemas.openxmlformats.org/drawingml/2006/main" xmlns:r="http://schemas.openxmlformats.org/officeDocument/2006/relationships" xmlns:p1510="http://schemas.microsoft.com/office/powerpoint/2015/10/main">
   <p1510:revLst>
     <p1510:client id="{7604BA12-D611-4692-AB05-C6CBFF9CD7EF}" v="85" dt="2023-01-30T09:26:32.632"/>
-    <p1510:client id="{9E5256FE-C5DF-414C-8FFB-F4930DCCFDED}" v="1" dt="2023-01-30T08:59:15.094"/>
+    <p1510:client id="{9E5256FE-C5DF-414C-8FFB-F4930DCCFDED}" v="16" dt="2023-02-07T08:41:12.666"/>
   </p1510:revLst>
 </p1510:revInfo>
 </file>
@@ -215,7 +215,7 @@
           <a:p>
             <a:fld id="{B8B82ED7-0CD8-4737-8944-F40600049052}" type="datetimeFigureOut">
               <a:rPr lang="en-GB" smtClean="0"/>
-              <a:t>04/02/2023</a:t>
+              <a:t>07/02/2023</a:t>
             </a:fld>
             <a:endParaRPr lang="en-GB"/>
           </a:p>
@@ -793,7 +793,7 @@
           <a:p>
             <a:fld id="{9940E4A9-CBC9-4924-AA16-D618736F995C}" type="datetimeFigureOut">
               <a:rPr lang="en-GB" smtClean="0"/>
-              <a:t>04/02/2023</a:t>
+              <a:t>07/02/2023</a:t>
             </a:fld>
             <a:endParaRPr lang="en-GB"/>
           </a:p>
@@ -1001,7 +1001,7 @@
           <a:p>
             <a:fld id="{9940E4A9-CBC9-4924-AA16-D618736F995C}" type="datetimeFigureOut">
               <a:rPr lang="en-GB" smtClean="0"/>
-              <a:t>04/02/2023</a:t>
+              <a:t>07/02/2023</a:t>
             </a:fld>
             <a:endParaRPr lang="en-GB"/>
           </a:p>
@@ -1257,7 +1257,7 @@
           <a:p>
             <a:fld id="{9940E4A9-CBC9-4924-AA16-D618736F995C}" type="datetimeFigureOut">
               <a:rPr lang="en-GB" smtClean="0"/>
-              <a:t>04/02/2023</a:t>
+              <a:t>07/02/2023</a:t>
             </a:fld>
             <a:endParaRPr lang="en-GB"/>
           </a:p>
@@ -1427,7 +1427,7 @@
           <a:p>
             <a:fld id="{9940E4A9-CBC9-4924-AA16-D618736F995C}" type="datetimeFigureOut">
               <a:rPr lang="en-GB" smtClean="0"/>
-              <a:t>04/02/2023</a:t>
+              <a:t>07/02/2023</a:t>
             </a:fld>
             <a:endParaRPr lang="en-GB"/>
           </a:p>
@@ -1770,7 +1770,7 @@
           <a:p>
             <a:fld id="{9940E4A9-CBC9-4924-AA16-D618736F995C}" type="datetimeFigureOut">
               <a:rPr lang="en-GB" smtClean="0"/>
-              <a:t>04/02/2023</a:t>
+              <a:t>07/02/2023</a:t>
             </a:fld>
             <a:endParaRPr lang="en-GB"/>
           </a:p>
@@ -2045,7 +2045,7 @@
           <a:p>
             <a:fld id="{9940E4A9-CBC9-4924-AA16-D618736F995C}" type="datetimeFigureOut">
               <a:rPr lang="en-GB" smtClean="0"/>
-              <a:t>04/02/2023</a:t>
+              <a:t>07/02/2023</a:t>
             </a:fld>
             <a:endParaRPr lang="en-GB"/>
           </a:p>
@@ -2424,7 +2424,7 @@
           <a:p>
             <a:fld id="{9940E4A9-CBC9-4924-AA16-D618736F995C}" type="datetimeFigureOut">
               <a:rPr lang="en-GB" smtClean="0"/>
-              <a:t>04/02/2023</a:t>
+              <a:t>07/02/2023</a:t>
             </a:fld>
             <a:endParaRPr lang="en-GB"/>
           </a:p>
@@ -2542,7 +2542,7 @@
           <a:p>
             <a:fld id="{9940E4A9-CBC9-4924-AA16-D618736F995C}" type="datetimeFigureOut">
               <a:rPr lang="en-GB" smtClean="0"/>
-              <a:t>04/02/2023</a:t>
+              <a:t>07/02/2023</a:t>
             </a:fld>
             <a:endParaRPr lang="en-GB"/>
           </a:p>
@@ -2713,7 +2713,7 @@
           <a:p>
             <a:fld id="{9940E4A9-CBC9-4924-AA16-D618736F995C}" type="datetimeFigureOut">
               <a:rPr lang="en-GB" smtClean="0"/>
-              <a:t>04/02/2023</a:t>
+              <a:t>07/02/2023</a:t>
             </a:fld>
             <a:endParaRPr lang="en-GB"/>
           </a:p>
@@ -3067,7 +3067,7 @@
           <a:p>
             <a:fld id="{9940E4A9-CBC9-4924-AA16-D618736F995C}" type="datetimeFigureOut">
               <a:rPr lang="en-GB" smtClean="0"/>
-              <a:t>04/02/2023</a:t>
+              <a:t>07/02/2023</a:t>
             </a:fld>
             <a:endParaRPr lang="en-GB"/>
           </a:p>
@@ -3444,7 +3444,7 @@
           <a:p>
             <a:fld id="{9940E4A9-CBC9-4924-AA16-D618736F995C}" type="datetimeFigureOut">
               <a:rPr lang="en-GB" smtClean="0"/>
-              <a:t>04/02/2023</a:t>
+              <a:t>07/02/2023</a:t>
             </a:fld>
             <a:endParaRPr lang="en-GB"/>
           </a:p>
@@ -3731,7 +3731,7 @@
           <a:p>
             <a:fld id="{9940E4A9-CBC9-4924-AA16-D618736F995C}" type="datetimeFigureOut">
               <a:rPr lang="en-GB" smtClean="0"/>
-              <a:t>04/02/2023</a:t>
+              <a:t>07/02/2023</a:t>
             </a:fld>
             <a:endParaRPr lang="en-GB"/>
           </a:p>
@@ -5125,7 +5125,7 @@
         <p:spPr>
           <a:xfrm>
             <a:off x="1066800" y="1429249"/>
-            <a:ext cx="8266922" cy="1711366"/>
+            <a:ext cx="8831802" cy="1711366"/>
           </a:xfrm>
           <a:prstGeom prst="rect">
             <a:avLst/>
@@ -5191,16 +5191,12 @@
               <a:buChar char="Ø"/>
             </a:pPr>
             <a:r>
-              <a:rPr lang="en-US"/>
-              <a:t>Tune the </a:t>
-            </a:r>
-            <a:r>
               <a:rPr lang="en-US" err="1"/>
               <a:t>vFraction</a:t>
             </a:r>
             <a:r>
               <a:rPr lang="en-US"/>
-              <a:t> value taking into account trade off between utilization and C.U.T.</a:t>
+              <a:t> value can be tuned taking into account trade off between utilization and C.U.T.</a:t>
             </a:r>
           </a:p>
         </p:txBody>

--- a/Documentation/PECSN-MerryGoRound.pptx
+++ b/Documentation/PECSN-MerryGoRound.pptx
@@ -2,22 +2,22 @@
 <file path=ppt/presentation.xml><?xml version="1.0" encoding="utf-8"?>
 <p:presentation xmlns:a="http://schemas.openxmlformats.org/drawingml/2006/main" xmlns:r="http://schemas.openxmlformats.org/officeDocument/2006/relationships" xmlns:p="http://schemas.openxmlformats.org/presentationml/2006/main" saveSubsetFonts="1">
   <p:sldMasterIdLst>
-    <p:sldMasterId id="2147483708" r:id="rId1"/>
+    <p:sldMasterId id="2147483708" r:id="rId4"/>
   </p:sldMasterIdLst>
   <p:notesMasterIdLst>
-    <p:notesMasterId r:id="rId12"/>
+    <p:notesMasterId r:id="rId15"/>
   </p:notesMasterIdLst>
   <p:sldIdLst>
-    <p:sldId id="258" r:id="rId2"/>
-    <p:sldId id="259" r:id="rId3"/>
-    <p:sldId id="267" r:id="rId4"/>
-    <p:sldId id="268" r:id="rId5"/>
-    <p:sldId id="269" r:id="rId6"/>
-    <p:sldId id="270" r:id="rId7"/>
-    <p:sldId id="271" r:id="rId8"/>
-    <p:sldId id="272" r:id="rId9"/>
-    <p:sldId id="273" r:id="rId10"/>
-    <p:sldId id="274" r:id="rId11"/>
+    <p:sldId id="258" r:id="rId5"/>
+    <p:sldId id="259" r:id="rId6"/>
+    <p:sldId id="267" r:id="rId7"/>
+    <p:sldId id="268" r:id="rId8"/>
+    <p:sldId id="269" r:id="rId9"/>
+    <p:sldId id="270" r:id="rId10"/>
+    <p:sldId id="271" r:id="rId11"/>
+    <p:sldId id="272" r:id="rId12"/>
+    <p:sldId id="273" r:id="rId13"/>
+    <p:sldId id="274" r:id="rId14"/>
   </p:sldIdLst>
   <p:sldSz cx="12192000" cy="6858000"/>
   <p:notesSz cx="6858000" cy="9144000"/>
@@ -122,15 +122,6 @@
     </p:ext>
   </p:extLst>
 </p:presentation>
-</file>
-
-<file path=ppt/revisionInfo.xml><?xml version="1.0" encoding="utf-8"?>
-<p1510:revInfo xmlns:a="http://schemas.openxmlformats.org/drawingml/2006/main" xmlns:r="http://schemas.openxmlformats.org/officeDocument/2006/relationships" xmlns:p1510="http://schemas.microsoft.com/office/powerpoint/2015/10/main">
-  <p1510:revLst>
-    <p1510:client id="{7604BA12-D611-4692-AB05-C6CBFF9CD7EF}" v="85" dt="2023-01-30T09:26:32.632"/>
-    <p1510:client id="{9E5256FE-C5DF-414C-8FFB-F4930DCCFDED}" v="16" dt="2023-02-07T08:41:12.666"/>
-  </p1510:revLst>
-</p1510:revInfo>
 </file>
 
 <file path=ppt/notesMasters/notesMaster1.xml><?xml version="1.0" encoding="utf-8"?>
@@ -5582,8 +5573,8 @@
           </a:p>
         </p:txBody>
       </p:sp>
-      <mc:AlternateContent xmlns:mc="http://schemas.openxmlformats.org/markup-compatibility/2006" xmlns:a14="http://schemas.microsoft.com/office/drawing/2010/main">
-        <mc:Choice Requires="a14">
+      <mc:AlternateContent xmlns:mc="http://schemas.openxmlformats.org/markup-compatibility/2006">
+        <mc:Choice xmlns:a14="http://schemas.microsoft.com/office/drawing/2010/main" Requires="a14">
           <p:sp>
             <p:nvSpPr>
               <p:cNvPr id="10" name="CasellaDiTesto 9">
@@ -5859,7 +5850,7 @@
             </p:txBody>
           </p:sp>
         </mc:Choice>
-        <mc:Fallback xmlns="">
+        <mc:Fallback>
           <p:sp>
             <p:nvSpPr>
               <p:cNvPr id="10" name="CasellaDiTesto 9">
@@ -5894,7 +5885,7 @@
               <a:lstStyle/>
               <a:p>
                 <a:r>
-                  <a:rPr lang="en-US">
+                  <a:rPr lang="it-IT">
                     <a:noFill/>
                   </a:rPr>
                   <a:t> </a:t>
@@ -6016,8 +6007,8 @@
           </a:p>
         </p:txBody>
       </p:sp>
-      <mc:AlternateContent xmlns:mc="http://schemas.openxmlformats.org/markup-compatibility/2006" xmlns:a14="http://schemas.microsoft.com/office/drawing/2010/main">
-        <mc:Choice Requires="a14">
+      <mc:AlternateContent xmlns:mc="http://schemas.openxmlformats.org/markup-compatibility/2006">
+        <mc:Choice xmlns:a14="http://schemas.microsoft.com/office/drawing/2010/main" Requires="a14">
           <p:sp>
             <p:nvSpPr>
               <p:cNvPr id="13" name="CasellaDiTesto 12">
@@ -6193,7 +6184,7 @@
             </p:txBody>
           </p:sp>
         </mc:Choice>
-        <mc:Fallback xmlns="">
+        <mc:Fallback>
           <p:sp>
             <p:nvSpPr>
               <p:cNvPr id="13" name="CasellaDiTesto 12">
@@ -6228,7 +6219,7 @@
               <a:lstStyle/>
               <a:p>
                 <a:r>
-                  <a:rPr lang="en-US">
+                  <a:rPr lang="it-IT">
                     <a:noFill/>
                   </a:rPr>
                   <a:t> </a:t>
@@ -6771,8 +6762,8 @@
           </a:fontRef>
         </p:style>
       </p:cxnSp>
-      <mc:AlternateContent xmlns:mc="http://schemas.openxmlformats.org/markup-compatibility/2006" xmlns:a14="http://schemas.microsoft.com/office/drawing/2010/main">
-        <mc:Choice Requires="a14">
+      <mc:AlternateContent xmlns:mc="http://schemas.openxmlformats.org/markup-compatibility/2006">
+        <mc:Choice xmlns:a14="http://schemas.microsoft.com/office/drawing/2010/main" Requires="a14">
           <p:sp>
             <p:nvSpPr>
               <p:cNvPr id="3" name="CasellaDiTesto 2">
@@ -6810,13 +6801,13 @@
                   </a:spcAft>
                 </a:pPr>
                 <a:r>
-                  <a:rPr lang="en-GB" sz="1800">
+                  <a:rPr lang="en-GB" sz="1800" dirty="0">
                     <a:effectLst/>
                     <a:latin typeface="Calibri" panose="020F0502020204030204" pitchFamily="34" charset="0"/>
                     <a:ea typeface="Calibri" panose="020F0502020204030204" pitchFamily="34" charset="0"/>
                     <a:cs typeface="Arial" panose="020B0604020202020204" pitchFamily="34" charset="0"/>
                   </a:rPr>
-                  <a:t>The factors are:</a:t>
+                  <a:t>The factors and parameters are:</a:t>
                 </a:r>
               </a:p>
               <a:p>
@@ -6828,7 +6819,7 @@
                   <a:buChar char="•"/>
                 </a:pPr>
                 <a:r>
-                  <a:rPr lang="en-GB" sz="1800" b="1">
+                  <a:rPr lang="en-GB" sz="1800" b="1" dirty="0">
                     <a:effectLst/>
                     <a:latin typeface="Calibri" panose="020F0502020204030204" pitchFamily="34" charset="0"/>
                     <a:ea typeface="Calibri" panose="020F0502020204030204" pitchFamily="34" charset="0"/>
@@ -6837,7 +6828,7 @@
                   <a:t>Q</a:t>
                 </a:r>
                 <a:r>
-                  <a:rPr lang="it-IT" sz="1800" b="0">
+                  <a:rPr lang="it-IT" sz="1800" b="0" dirty="0">
                     <a:effectLst/>
                     <a:ea typeface="Cambria Math" panose="02040503050406030204" pitchFamily="18" charset="0"/>
                     <a:cs typeface="Arial" panose="020B0604020202020204" pitchFamily="34" charset="0"/>
@@ -6858,7 +6849,7 @@
                   </m:oMath>
                 </a14:m>
                 <a:r>
-                  <a:rPr lang="en-GB" sz="1800">
+                  <a:rPr lang="en-GB" sz="1800" dirty="0">
                     <a:effectLst/>
                     <a:latin typeface="Calibri" panose="020F0502020204030204" pitchFamily="34" charset="0"/>
                     <a:ea typeface="Calibri" panose="020F0502020204030204" pitchFamily="34" charset="0"/>
@@ -6876,7 +6867,7 @@
                   <a:buChar char="•"/>
                 </a:pPr>
                 <a:r>
-                  <a:rPr lang="en-GB" sz="1800" b="1" err="1">
+                  <a:rPr lang="en-GB" sz="1800" b="1" dirty="0" err="1">
                     <a:effectLst/>
                     <a:latin typeface="Calibri" panose="020F0502020204030204" pitchFamily="34" charset="0"/>
                     <a:ea typeface="Calibri" panose="020F0502020204030204" pitchFamily="34" charset="0"/>
@@ -6885,7 +6876,7 @@
                   <a:t>vFraction</a:t>
                 </a:r>
                 <a:r>
-                  <a:rPr lang="en-GB" sz="1800" b="1">
+                  <a:rPr lang="en-GB" sz="1800" b="1" dirty="0">
                     <a:effectLst/>
                     <a:latin typeface="Calibri" panose="020F0502020204030204" pitchFamily="34" charset="0"/>
                     <a:ea typeface="Calibri" panose="020F0502020204030204" pitchFamily="34" charset="0"/>
@@ -6907,7 +6898,7 @@
                   </m:oMath>
                 </a14:m>
                 <a:r>
-                  <a:rPr lang="en-GB" sz="1800">
+                  <a:rPr lang="en-GB" sz="1800" dirty="0">
                     <a:effectLst/>
                     <a:latin typeface="Calibri" panose="020F0502020204030204" pitchFamily="34" charset="0"/>
                     <a:ea typeface="Calibri" panose="020F0502020204030204" pitchFamily="34" charset="0"/>
@@ -6925,7 +6916,7 @@
                   <a:buChar char="•"/>
                 </a:pPr>
                 <a:r>
-                  <a:rPr lang="en-GB" sz="1800" b="1">
+                  <a:rPr lang="en-GB" sz="1800" b="1" dirty="0">
                     <a:effectLst/>
                     <a:latin typeface="Calibri" panose="020F0502020204030204" pitchFamily="34" charset="0"/>
                     <a:ea typeface="Calibri" panose="020F0502020204030204" pitchFamily="34" charset="0"/>
@@ -6934,7 +6925,7 @@
                   <a:t>T</a:t>
                 </a:r>
                 <a:r>
-                  <a:rPr lang="en-GB" b="1">
+                  <a:rPr lang="en-GB" b="1" dirty="0">
                     <a:latin typeface="Calibri" panose="020F0502020204030204" pitchFamily="34" charset="0"/>
                     <a:ea typeface="Calibri" panose="020F0502020204030204" pitchFamily="34" charset="0"/>
                     <a:cs typeface="Arial" panose="020B0604020202020204" pitchFamily="34" charset="0"/>
@@ -6955,7 +6946,7 @@
                   </m:oMath>
                 </a14:m>
                 <a:r>
-                  <a:rPr lang="en-GB" sz="1800">
+                  <a:rPr lang="en-GB" sz="1800" dirty="0">
                     <a:effectLst/>
                     <a:latin typeface="Calibri" panose="020F0502020204030204" pitchFamily="34" charset="0"/>
                     <a:ea typeface="Calibri" panose="020F0502020204030204" pitchFamily="34" charset="0"/>
@@ -6973,7 +6964,7 @@
                   <a:buChar char="•"/>
                 </a:pPr>
                 <a:r>
-                  <a:rPr lang="en-GB" sz="1800" b="1">
+                  <a:rPr lang="en-GB" sz="1800" b="1" dirty="0">
                     <a:effectLst/>
                     <a:latin typeface="Calibri" panose="020F0502020204030204" pitchFamily="34" charset="0"/>
                     <a:ea typeface="Calibri" panose="020F0502020204030204" pitchFamily="34" charset="0"/>
@@ -6995,7 +6986,7 @@
                   </m:oMath>
                 </a14:m>
                 <a:r>
-                  <a:rPr lang="en-GB" sz="1800">
+                  <a:rPr lang="en-GB" sz="1800" dirty="0">
                     <a:effectLst/>
                     <a:latin typeface="Calibri" panose="020F0502020204030204" pitchFamily="34" charset="0"/>
                     <a:ea typeface="Calibri" panose="020F0502020204030204" pitchFamily="34" charset="0"/>
@@ -7013,7 +7004,7 @@
                   <a:buChar char="•"/>
                 </a:pPr>
                 <a:r>
-                  <a:rPr lang="en-GB" sz="1800" b="1">
+                  <a:rPr lang="en-GB" sz="1800" b="1" dirty="0">
                     <a:effectLst/>
                     <a:latin typeface="Calibri" panose="020F0502020204030204" pitchFamily="34" charset="0"/>
                     <a:ea typeface="Calibri" panose="020F0502020204030204" pitchFamily="34" charset="0"/>
@@ -7022,7 +7013,7 @@
                   <a:t>C</a:t>
                 </a:r>
                 <a:r>
-                  <a:rPr lang="en-GB" b="1">
+                  <a:rPr lang="en-GB" b="1" dirty="0">
                     <a:latin typeface="Calibri" panose="020F0502020204030204" pitchFamily="34" charset="0"/>
                     <a:ea typeface="Calibri" panose="020F0502020204030204" pitchFamily="34" charset="0"/>
                     <a:cs typeface="Arial" panose="020B0604020202020204" pitchFamily="34" charset="0"/>
@@ -7043,7 +7034,7 @@
                   </m:oMath>
                 </a14:m>
                 <a:r>
-                  <a:rPr lang="en-GB" sz="1800">
+                  <a:rPr lang="en-GB" sz="1800" dirty="0">
                     <a:effectLst/>
                     <a:latin typeface="Calibri" panose="020F0502020204030204" pitchFamily="34" charset="0"/>
                     <a:ea typeface="Calibri" panose="020F0502020204030204" pitchFamily="34" charset="0"/>
@@ -7061,7 +7052,7 @@
                   <a:buChar char="•"/>
                 </a:pPr>
                 <a:r>
-                  <a:rPr lang="en-GB" sz="1800" b="1">
+                  <a:rPr lang="en-GB" sz="1800" b="1" dirty="0">
                     <a:effectLst/>
                     <a:latin typeface="Calibri" panose="020F0502020204030204" pitchFamily="34" charset="0"/>
                     <a:ea typeface="Calibri" panose="020F0502020204030204" pitchFamily="34" charset="0"/>
@@ -7070,7 +7061,7 @@
                   <a:t>λ</a:t>
                 </a:r>
                 <a:r>
-                  <a:rPr lang="en-GB" b="1">
+                  <a:rPr lang="en-GB" b="1" dirty="0">
                     <a:latin typeface="Calibri" panose="020F0502020204030204" pitchFamily="34" charset="0"/>
                     <a:ea typeface="Calibri" panose="020F0502020204030204" pitchFamily="34" charset="0"/>
                     <a:cs typeface="Calibri" panose="020F0502020204030204" pitchFamily="34" charset="0"/>
@@ -7091,7 +7082,7 @@
                   </m:oMath>
                 </a14:m>
                 <a:r>
-                  <a:rPr lang="en-GB" sz="1800">
+                  <a:rPr lang="en-GB" sz="1800" dirty="0">
                     <a:effectLst/>
                     <a:latin typeface="Calibri" panose="020F0502020204030204" pitchFamily="34" charset="0"/>
                     <a:ea typeface="Calibri" panose="020F0502020204030204" pitchFamily="34" charset="0"/>
@@ -7100,7 +7091,7 @@
                   <a:t> 	Exponential distribution </a:t>
                 </a:r>
                 <a:r>
-                  <a:rPr lang="en-GB" sz="1800" b="1">
+                  <a:rPr lang="en-GB" sz="1800" b="1" dirty="0">
                     <a:effectLst/>
                     <a:latin typeface="Calibri" panose="020F0502020204030204" pitchFamily="34" charset="0"/>
                     <a:ea typeface="Calibri" panose="020F0502020204030204" pitchFamily="34" charset="0"/>
@@ -7109,7 +7100,7 @@
                   <a:t>mean inter-arrival time</a:t>
                 </a:r>
                 <a:r>
-                  <a:rPr lang="en-GB" sz="1800">
+                  <a:rPr lang="en-GB" sz="1800" dirty="0">
                     <a:effectLst/>
                     <a:latin typeface="Calibri" panose="020F0502020204030204" pitchFamily="34" charset="0"/>
                     <a:ea typeface="Calibri" panose="020F0502020204030204" pitchFamily="34" charset="0"/>
@@ -7117,7 +7108,7 @@
                   </a:rPr>
                   <a:t> of a child or a group of children</a:t>
                 </a:r>
-                <a:endParaRPr lang="en-GB" sz="1800">
+                <a:endParaRPr lang="en-GB" sz="1800" dirty="0">
                   <a:effectLst/>
                   <a:latin typeface="Calibri" panose="020F0502020204030204" pitchFamily="34" charset="0"/>
                   <a:ea typeface="Calibri" panose="020F0502020204030204" pitchFamily="34" charset="0"/>
@@ -7133,7 +7124,7 @@
                   <a:buChar char="•"/>
                 </a:pPr>
                 <a:r>
-                  <a:rPr lang="en-GB" sz="1800" b="1">
+                  <a:rPr lang="en-GB" sz="1800" b="1" dirty="0">
                     <a:effectLst/>
                     <a:latin typeface="Calibri" panose="020F0502020204030204" pitchFamily="34" charset="0"/>
                     <a:ea typeface="Calibri" panose="020F0502020204030204" pitchFamily="34" charset="0"/>
@@ -7142,7 +7133,7 @@
                   <a:t>P</a:t>
                 </a:r>
                 <a:r>
-                  <a:rPr lang="en-GB" b="1">
+                  <a:rPr lang="en-GB" b="1" dirty="0">
                     <a:latin typeface="Calibri" panose="020F0502020204030204" pitchFamily="34" charset="0"/>
                     <a:ea typeface="Calibri" panose="020F0502020204030204" pitchFamily="34" charset="0"/>
                     <a:cs typeface="Calibri" panose="020F0502020204030204" pitchFamily="34" charset="0"/>
@@ -7163,7 +7154,7 @@
                   </m:oMath>
                 </a14:m>
                 <a:r>
-                  <a:rPr lang="en-GB" sz="1800">
+                  <a:rPr lang="en-GB" sz="1800" dirty="0">
                     <a:effectLst/>
                     <a:latin typeface="Calibri" panose="020F0502020204030204" pitchFamily="34" charset="0"/>
                     <a:ea typeface="Calibri" panose="020F0502020204030204" pitchFamily="34" charset="0"/>
@@ -7171,7 +7162,7 @@
                   </a:rPr>
                   <a:t> 	Inverse of mean number of children in each arrival</a:t>
                 </a:r>
-                <a:endParaRPr lang="en-GB" sz="1800">
+                <a:endParaRPr lang="en-GB" sz="1800" dirty="0">
                   <a:effectLst/>
                   <a:latin typeface="Calibri" panose="020F0502020204030204" pitchFamily="34" charset="0"/>
                   <a:ea typeface="Calibri" panose="020F0502020204030204" pitchFamily="34" charset="0"/>
@@ -7190,7 +7181,7 @@
                   <a:buChar char="•"/>
                 </a:pPr>
                 <a:r>
-                  <a:rPr lang="en-GB" sz="1800" b="1">
+                  <a:rPr lang="en-GB" sz="1800" b="1" dirty="0">
                     <a:effectLst/>
                     <a:latin typeface="Calibri" panose="020F0502020204030204" pitchFamily="34" charset="0"/>
                     <a:ea typeface="Calibri" panose="020F0502020204030204" pitchFamily="34" charset="0"/>
@@ -7199,7 +7190,7 @@
                   <a:t>Δ</a:t>
                 </a:r>
                 <a:r>
-                  <a:rPr lang="en-GB" b="1">
+                  <a:rPr lang="en-GB" b="1" dirty="0">
                     <a:latin typeface="Calibri" panose="020F0502020204030204" pitchFamily="34" charset="0"/>
                     <a:ea typeface="Calibri" panose="020F0502020204030204" pitchFamily="34" charset="0"/>
                     <a:cs typeface="Calibri" panose="020F0502020204030204" pitchFamily="34" charset="0"/>
@@ -7220,14 +7211,14 @@
                   </m:oMath>
                 </a14:m>
                 <a:r>
-                  <a:rPr lang="en-GB">
+                  <a:rPr lang="en-GB" dirty="0">
                     <a:latin typeface="Calibri" panose="020F0502020204030204" pitchFamily="34" charset="0"/>
                     <a:ea typeface="Calibri" panose="020F0502020204030204" pitchFamily="34" charset="0"/>
                     <a:cs typeface="Calibri" panose="020F0502020204030204" pitchFamily="34" charset="0"/>
                   </a:rPr>
                   <a:t> 	Exponential distribution mean time to add to Q after which a child will leave the queue</a:t>
                 </a:r>
-                <a:endParaRPr lang="en-GB" sz="1800">
+                <a:endParaRPr lang="en-GB" sz="1800" dirty="0">
                   <a:effectLst/>
                   <a:latin typeface="Calibri" panose="020F0502020204030204" pitchFamily="34" charset="0"/>
                   <a:ea typeface="Calibri" panose="020F0502020204030204" pitchFamily="34" charset="0"/>
@@ -7237,7 +7228,7 @@
             </p:txBody>
           </p:sp>
         </mc:Choice>
-        <mc:Fallback xmlns="">
+        <mc:Fallback>
           <p:sp>
             <p:nvSpPr>
               <p:cNvPr id="3" name="CasellaDiTesto 2">
@@ -7272,7 +7263,7 @@
               <a:lstStyle/>
               <a:p>
                 <a:r>
-                  <a:rPr lang="en-US">
+                  <a:rPr lang="it-IT">
                     <a:noFill/>
                   </a:rPr>
                   <a:t> </a:t>
@@ -7545,8 +7536,8 @@
           </a:prstGeom>
         </p:spPr>
       </p:pic>
-      <mc:AlternateContent xmlns:mc="http://schemas.openxmlformats.org/markup-compatibility/2006" xmlns:a14="http://schemas.microsoft.com/office/drawing/2010/main">
-        <mc:Choice Requires="a14">
+      <mc:AlternateContent xmlns:mc="http://schemas.openxmlformats.org/markup-compatibility/2006">
+        <mc:Choice xmlns:a14="http://schemas.microsoft.com/office/drawing/2010/main" Requires="a14">
           <p:sp>
             <p:nvSpPr>
               <p:cNvPr id="4" name="CasellaDiTesto 3">
@@ -8475,7 +8466,7 @@
             </p:txBody>
           </p:sp>
         </mc:Choice>
-        <mc:Fallback xmlns="">
+        <mc:Fallback>
           <p:sp>
             <p:nvSpPr>
               <p:cNvPr id="4" name="CasellaDiTesto 3">
@@ -8510,7 +8501,7 @@
               <a:lstStyle/>
               <a:p>
                 <a:r>
-                  <a:rPr lang="en-US">
+                  <a:rPr lang="it-IT">
                     <a:noFill/>
                   </a:rPr>
                   <a:t> </a:t>
@@ -8941,8 +8932,8 @@
           </a:p>
         </p:txBody>
       </p:sp>
-      <mc:AlternateContent xmlns:mc="http://schemas.openxmlformats.org/markup-compatibility/2006" xmlns:a14="http://schemas.microsoft.com/office/drawing/2010/main">
-        <mc:Choice Requires="a14">
+      <mc:AlternateContent xmlns:mc="http://schemas.openxmlformats.org/markup-compatibility/2006">
+        <mc:Choice xmlns:a14="http://schemas.microsoft.com/office/drawing/2010/main" Requires="a14">
           <p:graphicFrame>
             <p:nvGraphicFramePr>
               <p:cNvPr id="7" name="Tabella 6">
@@ -10988,7 +10979,7 @@
             </a:graphic>
           </p:graphicFrame>
         </mc:Choice>
-        <mc:Fallback xmlns="">
+        <mc:Fallback>
           <p:graphicFrame>
             <p:nvGraphicFramePr>
               <p:cNvPr id="7" name="Tabella 6">
@@ -11481,7 +11472,7 @@
                         <a:bodyPr/>
                         <a:lstStyle/>
                         <a:p>
-                          <a:endParaRPr lang="en-US"/>
+                          <a:endParaRPr lang="it-IT"/>
                         </a:p>
                       </a:txBody>
                       <a:tcPr marL="68580" marR="68580" marT="0" marB="0" anchor="ctr">
@@ -11799,7 +11790,7 @@
                         <a:bodyPr/>
                         <a:lstStyle/>
                         <a:p>
-                          <a:endParaRPr lang="en-US"/>
+                          <a:endParaRPr lang="it-IT"/>
                         </a:p>
                       </a:txBody>
                       <a:tcPr marL="68580" marR="68580" marT="0" marB="0" anchor="ctr">
@@ -12117,7 +12108,7 @@
                         <a:bodyPr/>
                         <a:lstStyle/>
                         <a:p>
-                          <a:endParaRPr lang="en-US"/>
+                          <a:endParaRPr lang="it-IT"/>
                         </a:p>
                       </a:txBody>
                       <a:tcPr marL="68580" marR="68580" marT="0" marB="0" anchor="ctr">
@@ -12435,7 +12426,7 @@
                         <a:bodyPr/>
                         <a:lstStyle/>
                         <a:p>
-                          <a:endParaRPr lang="en-US"/>
+                          <a:endParaRPr lang="it-IT"/>
                         </a:p>
                       </a:txBody>
                       <a:tcPr marL="68580" marR="68580" marT="0" marB="0" anchor="ctr">
@@ -19639,4 +19630,306 @@
     </a:ext>
   </a:extLst>
 </a:theme>
+</file>
+
+<file path=customXml/item1.xml><?xml version="1.0" encoding="utf-8"?>
+<ct:contentTypeSchema xmlns:ct="http://schemas.microsoft.com/office/2006/metadata/contentType" xmlns:ma="http://schemas.microsoft.com/office/2006/metadata/properties/metaAttributes" ct:_="" ma:_="" ma:contentTypeName="Document" ma:contentTypeID="0x0101005C858D756E8B9A42BEA627F5AA94DA0F" ma:contentTypeVersion="16" ma:contentTypeDescription="Create a new document." ma:contentTypeScope="" ma:versionID="7d066f6f1424883ede3f3ad42ecdd778">
+  <xsd:schema xmlns:xsd="http://www.w3.org/2001/XMLSchema" xmlns:xs="http://www.w3.org/2001/XMLSchema" xmlns:p="http://schemas.microsoft.com/office/2006/metadata/properties" xmlns:ns3="7bd97606-601a-4b9f-8a6b-43b6b171de71" xmlns:ns4="2f2362d9-1d70-4880-8b0c-0794ed068321" targetNamespace="http://schemas.microsoft.com/office/2006/metadata/properties" ma:root="true" ma:fieldsID="6549ad5bd80d6a177328da7bb85ed36b" ns3:_="" ns4:_="">
+    <xsd:import namespace="7bd97606-601a-4b9f-8a6b-43b6b171de71"/>
+    <xsd:import namespace="2f2362d9-1d70-4880-8b0c-0794ed068321"/>
+    <xsd:element name="properties">
+      <xsd:complexType>
+        <xsd:sequence>
+          <xsd:element name="documentManagement">
+            <xsd:complexType>
+              <xsd:all>
+                <xsd:element ref="ns3:MediaServiceMetadata" minOccurs="0"/>
+                <xsd:element ref="ns3:MediaServiceFastMetadata" minOccurs="0"/>
+                <xsd:element ref="ns3:MediaServiceAutoTags" minOccurs="0"/>
+                <xsd:element ref="ns3:MediaServiceOCR" minOccurs="0"/>
+                <xsd:element ref="ns3:MediaServiceGenerationTime" minOccurs="0"/>
+                <xsd:element ref="ns3:MediaServiceEventHashCode" minOccurs="0"/>
+                <xsd:element ref="ns3:MediaServiceAutoKeyPoints" minOccurs="0"/>
+                <xsd:element ref="ns3:MediaServiceKeyPoints" minOccurs="0"/>
+                <xsd:element ref="ns3:MediaServiceDateTaken" minOccurs="0"/>
+                <xsd:element ref="ns4:SharedWithUsers" minOccurs="0"/>
+                <xsd:element ref="ns4:SharedWithDetails" minOccurs="0"/>
+                <xsd:element ref="ns4:SharingHintHash" minOccurs="0"/>
+                <xsd:element ref="ns3:MediaLengthInSeconds" minOccurs="0"/>
+                <xsd:element ref="ns3:MediaServiceLocation" minOccurs="0"/>
+                <xsd:element ref="ns3:MediaServiceSearchProperties" minOccurs="0"/>
+                <xsd:element ref="ns3:_activity" minOccurs="0"/>
+              </xsd:all>
+            </xsd:complexType>
+          </xsd:element>
+        </xsd:sequence>
+      </xsd:complexType>
+    </xsd:element>
+  </xsd:schema>
+  <xsd:schema xmlns:xsd="http://www.w3.org/2001/XMLSchema" xmlns:xs="http://www.w3.org/2001/XMLSchema" xmlns:dms="http://schemas.microsoft.com/office/2006/documentManagement/types" xmlns:pc="http://schemas.microsoft.com/office/infopath/2007/PartnerControls" targetNamespace="7bd97606-601a-4b9f-8a6b-43b6b171de71" elementFormDefault="qualified">
+    <xsd:import namespace="http://schemas.microsoft.com/office/2006/documentManagement/types"/>
+    <xsd:import namespace="http://schemas.microsoft.com/office/infopath/2007/PartnerControls"/>
+    <xsd:element name="MediaServiceMetadata" ma:index="8" nillable="true" ma:displayName="MediaServiceMetadata" ma:hidden="true" ma:internalName="MediaServiceMetadata" ma:readOnly="true">
+      <xsd:simpleType>
+        <xsd:restriction base="dms:Note"/>
+      </xsd:simpleType>
+    </xsd:element>
+    <xsd:element name="MediaServiceFastMetadata" ma:index="9" nillable="true" ma:displayName="MediaServiceFastMetadata" ma:hidden="true" ma:internalName="MediaServiceFastMetadata" ma:readOnly="true">
+      <xsd:simpleType>
+        <xsd:restriction base="dms:Note"/>
+      </xsd:simpleType>
+    </xsd:element>
+    <xsd:element name="MediaServiceAutoTags" ma:index="10" nillable="true" ma:displayName="Tags" ma:internalName="MediaServiceAutoTags" ma:readOnly="true">
+      <xsd:simpleType>
+        <xsd:restriction base="dms:Text"/>
+      </xsd:simpleType>
+    </xsd:element>
+    <xsd:element name="MediaServiceOCR" ma:index="11" nillable="true" ma:displayName="Extracted Text" ma:internalName="MediaServiceOCR" ma:readOnly="true">
+      <xsd:simpleType>
+        <xsd:restriction base="dms:Note">
+          <xsd:maxLength value="255"/>
+        </xsd:restriction>
+      </xsd:simpleType>
+    </xsd:element>
+    <xsd:element name="MediaServiceGenerationTime" ma:index="12" nillable="true" ma:displayName="MediaServiceGenerationTime" ma:hidden="true" ma:internalName="MediaServiceGenerationTime" ma:readOnly="true">
+      <xsd:simpleType>
+        <xsd:restriction base="dms:Text"/>
+      </xsd:simpleType>
+    </xsd:element>
+    <xsd:element name="MediaServiceEventHashCode" ma:index="13" nillable="true" ma:displayName="MediaServiceEventHashCode" ma:hidden="true" ma:internalName="MediaServiceEventHashCode" ma:readOnly="true">
+      <xsd:simpleType>
+        <xsd:restriction base="dms:Text"/>
+      </xsd:simpleType>
+    </xsd:element>
+    <xsd:element name="MediaServiceAutoKeyPoints" ma:index="14" nillable="true" ma:displayName="MediaServiceAutoKeyPoints" ma:hidden="true" ma:internalName="MediaServiceAutoKeyPoints" ma:readOnly="true">
+      <xsd:simpleType>
+        <xsd:restriction base="dms:Note"/>
+      </xsd:simpleType>
+    </xsd:element>
+    <xsd:element name="MediaServiceKeyPoints" ma:index="15" nillable="true" ma:displayName="KeyPoints" ma:internalName="MediaServiceKeyPoints" ma:readOnly="true">
+      <xsd:simpleType>
+        <xsd:restriction base="dms:Note">
+          <xsd:maxLength value="255"/>
+        </xsd:restriction>
+      </xsd:simpleType>
+    </xsd:element>
+    <xsd:element name="MediaServiceDateTaken" ma:index="16" nillable="true" ma:displayName="MediaServiceDateTaken" ma:hidden="true" ma:internalName="MediaServiceDateTaken" ma:readOnly="true">
+      <xsd:simpleType>
+        <xsd:restriction base="dms:Text"/>
+      </xsd:simpleType>
+    </xsd:element>
+    <xsd:element name="MediaLengthInSeconds" ma:index="20" nillable="true" ma:displayName="MediaLengthInSeconds" ma:hidden="true" ma:internalName="MediaLengthInSeconds" ma:readOnly="true">
+      <xsd:simpleType>
+        <xsd:restriction base="dms:Unknown"/>
+      </xsd:simpleType>
+    </xsd:element>
+    <xsd:element name="MediaServiceLocation" ma:index="21" nillable="true" ma:displayName="Location" ma:internalName="MediaServiceLocation" ma:readOnly="true">
+      <xsd:simpleType>
+        <xsd:restriction base="dms:Text"/>
+      </xsd:simpleType>
+    </xsd:element>
+    <xsd:element name="MediaServiceSearchProperties" ma:index="22" nillable="true" ma:displayName="MediaServiceSearchProperties" ma:hidden="true" ma:internalName="MediaServiceSearchProperties" ma:readOnly="true">
+      <xsd:simpleType>
+        <xsd:restriction base="dms:Note"/>
+      </xsd:simpleType>
+    </xsd:element>
+    <xsd:element name="_activity" ma:index="23" nillable="true" ma:displayName="_activity" ma:hidden="true" ma:internalName="_activity">
+      <xsd:simpleType>
+        <xsd:restriction base="dms:Note"/>
+      </xsd:simpleType>
+    </xsd:element>
+  </xsd:schema>
+  <xsd:schema xmlns:xsd="http://www.w3.org/2001/XMLSchema" xmlns:xs="http://www.w3.org/2001/XMLSchema" xmlns:dms="http://schemas.microsoft.com/office/2006/documentManagement/types" xmlns:pc="http://schemas.microsoft.com/office/infopath/2007/PartnerControls" targetNamespace="2f2362d9-1d70-4880-8b0c-0794ed068321" elementFormDefault="qualified">
+    <xsd:import namespace="http://schemas.microsoft.com/office/2006/documentManagement/types"/>
+    <xsd:import namespace="http://schemas.microsoft.com/office/infopath/2007/PartnerControls"/>
+    <xsd:element name="SharedWithUsers" ma:index="17" nillable="true" ma:displayName="Shared With" ma:internalName="SharedWithUsers" ma:readOnly="true">
+      <xsd:complexType>
+        <xsd:complexContent>
+          <xsd:extension base="dms:UserMulti">
+            <xsd:sequence>
+              <xsd:element name="UserInfo" minOccurs="0" maxOccurs="unbounded">
+                <xsd:complexType>
+                  <xsd:sequence>
+                    <xsd:element name="DisplayName" type="xsd:string" minOccurs="0"/>
+                    <xsd:element name="AccountId" type="dms:UserId" minOccurs="0" nillable="true"/>
+                    <xsd:element name="AccountType" type="xsd:string" minOccurs="0"/>
+                  </xsd:sequence>
+                </xsd:complexType>
+              </xsd:element>
+            </xsd:sequence>
+          </xsd:extension>
+        </xsd:complexContent>
+      </xsd:complexType>
+    </xsd:element>
+    <xsd:element name="SharedWithDetails" ma:index="18" nillable="true" ma:displayName="Shared With Details" ma:internalName="SharedWithDetails" ma:readOnly="true">
+      <xsd:simpleType>
+        <xsd:restriction base="dms:Note">
+          <xsd:maxLength value="255"/>
+        </xsd:restriction>
+      </xsd:simpleType>
+    </xsd:element>
+    <xsd:element name="SharingHintHash" ma:index="19" nillable="true" ma:displayName="Sharing Hint Hash" ma:hidden="true" ma:internalName="SharingHintHash" ma:readOnly="true">
+      <xsd:simpleType>
+        <xsd:restriction base="dms:Text"/>
+      </xsd:simpleType>
+    </xsd:element>
+  </xsd:schema>
+  <xsd:schema xmlns="http://schemas.openxmlformats.org/package/2006/metadata/core-properties" xmlns:xsd="http://www.w3.org/2001/XMLSchema" xmlns:xsi="http://www.w3.org/2001/XMLSchema-instance" xmlns:dc="http://purl.org/dc/elements/1.1/" xmlns:dcterms="http://purl.org/dc/terms/" xmlns:odoc="http://schemas.microsoft.com/internal/obd" targetNamespace="http://schemas.openxmlformats.org/package/2006/metadata/core-properties" elementFormDefault="qualified" attributeFormDefault="unqualified" blockDefault="#all">
+    <xsd:import namespace="http://purl.org/dc/elements/1.1/" schemaLocation="http://dublincore.org/schemas/xmls/qdc/2003/04/02/dc.xsd"/>
+    <xsd:import namespace="http://purl.org/dc/terms/" schemaLocation="http://dublincore.org/schemas/xmls/qdc/2003/04/02/dcterms.xsd"/>
+    <xsd:element name="coreProperties" type="CT_coreProperties"/>
+    <xsd:complexType name="CT_coreProperties">
+      <xsd:all>
+        <xsd:element ref="dc:creator" minOccurs="0" maxOccurs="1"/>
+        <xsd:element ref="dcterms:created" minOccurs="0" maxOccurs="1"/>
+        <xsd:element ref="dc:identifier" minOccurs="0" maxOccurs="1"/>
+        <xsd:element name="contentType" minOccurs="0" maxOccurs="1" type="xsd:string" ma:index="0" ma:displayName="Content Type"/>
+        <xsd:element ref="dc:title" minOccurs="0" maxOccurs="1" ma:index="4" ma:displayName="Title"/>
+        <xsd:element ref="dc:subject" minOccurs="0" maxOccurs="1"/>
+        <xsd:element ref="dc:description" minOccurs="0" maxOccurs="1"/>
+        <xsd:element name="keywords" minOccurs="0" maxOccurs="1" type="xsd:string"/>
+        <xsd:element ref="dc:language" minOccurs="0" maxOccurs="1"/>
+        <xsd:element name="category" minOccurs="0" maxOccurs="1" type="xsd:string"/>
+        <xsd:element name="version" minOccurs="0" maxOccurs="1" type="xsd:string"/>
+        <xsd:element name="revision" minOccurs="0" maxOccurs="1" type="xsd:string">
+          <xsd:annotation>
+            <xsd:documentation>
+                        This value indicates the number of saves or revisions. The application is responsible for updating this value after each revision.
+                    </xsd:documentation>
+          </xsd:annotation>
+        </xsd:element>
+        <xsd:element name="lastModifiedBy" minOccurs="0" maxOccurs="1" type="xsd:string"/>
+        <xsd:element ref="dcterms:modified" minOccurs="0" maxOccurs="1"/>
+        <xsd:element name="contentStatus" minOccurs="0" maxOccurs="1" type="xsd:string"/>
+      </xsd:all>
+    </xsd:complexType>
+  </xsd:schema>
+  <xs:schema xmlns:pc="http://schemas.microsoft.com/office/infopath/2007/PartnerControls" xmlns:xs="http://www.w3.org/2001/XMLSchema" targetNamespace="http://schemas.microsoft.com/office/infopath/2007/PartnerControls" elementFormDefault="qualified" attributeFormDefault="unqualified">
+    <xs:element name="Person">
+      <xs:complexType>
+        <xs:sequence>
+          <xs:element ref="pc:DisplayName" minOccurs="0"/>
+          <xs:element ref="pc:AccountId" minOccurs="0"/>
+          <xs:element ref="pc:AccountType" minOccurs="0"/>
+        </xs:sequence>
+      </xs:complexType>
+    </xs:element>
+    <xs:element name="DisplayName" type="xs:string"/>
+    <xs:element name="AccountId" type="xs:string"/>
+    <xs:element name="AccountType" type="xs:string"/>
+    <xs:element name="BDCAssociatedEntity">
+      <xs:complexType>
+        <xs:sequence>
+          <xs:element ref="pc:BDCEntity" minOccurs="0" maxOccurs="unbounded"/>
+        </xs:sequence>
+        <xs:attribute ref="pc:EntityNamespace"/>
+        <xs:attribute ref="pc:EntityName"/>
+        <xs:attribute ref="pc:SystemInstanceName"/>
+        <xs:attribute ref="pc:AssociationName"/>
+      </xs:complexType>
+    </xs:element>
+    <xs:attribute name="EntityNamespace" type="xs:string"/>
+    <xs:attribute name="EntityName" type="xs:string"/>
+    <xs:attribute name="SystemInstanceName" type="xs:string"/>
+    <xs:attribute name="AssociationName" type="xs:string"/>
+    <xs:element name="BDCEntity">
+      <xs:complexType>
+        <xs:sequence>
+          <xs:element ref="pc:EntityDisplayName" minOccurs="0"/>
+          <xs:element ref="pc:EntityInstanceReference" minOccurs="0"/>
+          <xs:element ref="pc:EntityId1" minOccurs="0"/>
+          <xs:element ref="pc:EntityId2" minOccurs="0"/>
+          <xs:element ref="pc:EntityId3" minOccurs="0"/>
+          <xs:element ref="pc:EntityId4" minOccurs="0"/>
+          <xs:element ref="pc:EntityId5" minOccurs="0"/>
+        </xs:sequence>
+      </xs:complexType>
+    </xs:element>
+    <xs:element name="EntityDisplayName" type="xs:string"/>
+    <xs:element name="EntityInstanceReference" type="xs:string"/>
+    <xs:element name="EntityId1" type="xs:string"/>
+    <xs:element name="EntityId2" type="xs:string"/>
+    <xs:element name="EntityId3" type="xs:string"/>
+    <xs:element name="EntityId4" type="xs:string"/>
+    <xs:element name="EntityId5" type="xs:string"/>
+    <xs:element name="Terms">
+      <xs:complexType>
+        <xs:sequence>
+          <xs:element ref="pc:TermInfo" minOccurs="0" maxOccurs="unbounded"/>
+        </xs:sequence>
+      </xs:complexType>
+    </xs:element>
+    <xs:element name="TermInfo">
+      <xs:complexType>
+        <xs:sequence>
+          <xs:element ref="pc:TermName" minOccurs="0"/>
+          <xs:element ref="pc:TermId" minOccurs="0"/>
+        </xs:sequence>
+      </xs:complexType>
+    </xs:element>
+    <xs:element name="TermName" type="xs:string"/>
+    <xs:element name="TermId" type="xs:string"/>
+  </xs:schema>
+</ct:contentTypeSchema>
+</file>
+
+<file path=customXml/item2.xml><?xml version="1.0" encoding="utf-8"?>
+<?mso-contentType ?>
+<FormTemplates xmlns="http://schemas.microsoft.com/sharepoint/v3/contenttype/forms">
+  <Display>DocumentLibraryForm</Display>
+  <Edit>DocumentLibraryForm</Edit>
+  <New>DocumentLibraryForm</New>
+</FormTemplates>
+</file>
+
+<file path=customXml/item3.xml><?xml version="1.0" encoding="utf-8"?>
+<p:properties xmlns:p="http://schemas.microsoft.com/office/2006/metadata/properties" xmlns:xsi="http://www.w3.org/2001/XMLSchema-instance" xmlns:pc="http://schemas.microsoft.com/office/infopath/2007/PartnerControls">
+  <documentManagement>
+    <_activity xmlns="7bd97606-601a-4b9f-8a6b-43b6b171de71" xsi:nil="true"/>
+  </documentManagement>
+</p:properties>
+</file>
+
+<file path=customXml/itemProps1.xml><?xml version="1.0" encoding="utf-8"?>
+<ds:datastoreItem xmlns:ds="http://schemas.openxmlformats.org/officeDocument/2006/customXml" ds:itemID="{8F4AA9BA-9D3B-4B8F-AAEA-0AC29C8C6FA1}">
+  <ds:schemaRefs>
+    <ds:schemaRef ds:uri="http://schemas.microsoft.com/office/2006/metadata/contentType"/>
+    <ds:schemaRef ds:uri="http://schemas.microsoft.com/office/2006/metadata/properties/metaAttributes"/>
+    <ds:schemaRef ds:uri="http://www.w3.org/2001/XMLSchema"/>
+    <ds:schemaRef ds:uri="http://schemas.microsoft.com/office/2006/metadata/properties"/>
+    <ds:schemaRef ds:uri="7bd97606-601a-4b9f-8a6b-43b6b171de71"/>
+    <ds:schemaRef ds:uri="2f2362d9-1d70-4880-8b0c-0794ed068321"/>
+    <ds:schemaRef ds:uri="http://schemas.microsoft.com/office/2006/documentManagement/types"/>
+    <ds:schemaRef ds:uri="http://schemas.microsoft.com/office/infopath/2007/PartnerControls"/>
+    <ds:schemaRef ds:uri="http://schemas.openxmlformats.org/package/2006/metadata/core-properties"/>
+    <ds:schemaRef ds:uri="http://purl.org/dc/elements/1.1/"/>
+    <ds:schemaRef ds:uri="http://purl.org/dc/terms/"/>
+    <ds:schemaRef ds:uri="http://schemas.microsoft.com/internal/obd"/>
+  </ds:schemaRefs>
+</ds:datastoreItem>
+</file>
+
+<file path=customXml/itemProps2.xml><?xml version="1.0" encoding="utf-8"?>
+<ds:datastoreItem xmlns:ds="http://schemas.openxmlformats.org/officeDocument/2006/customXml" ds:itemID="{49E0C2C7-9566-4A9A-96B6-60D3D293F272}">
+  <ds:schemaRefs>
+    <ds:schemaRef ds:uri="http://schemas.microsoft.com/sharepoint/v3/contenttype/forms"/>
+  </ds:schemaRefs>
+</ds:datastoreItem>
+</file>
+
+<file path=customXml/itemProps3.xml><?xml version="1.0" encoding="utf-8"?>
+<ds:datastoreItem xmlns:ds="http://schemas.openxmlformats.org/officeDocument/2006/customXml" ds:itemID="{32C3AD61-C81A-446F-B98D-DAF129DCE185}">
+  <ds:schemaRefs>
+    <ds:schemaRef ds:uri="http://schemas.openxmlformats.org/package/2006/metadata/core-properties"/>
+    <ds:schemaRef ds:uri="http://schemas.microsoft.com/office/infopath/2007/PartnerControls"/>
+    <ds:schemaRef ds:uri="http://purl.org/dc/terms/"/>
+    <ds:schemaRef ds:uri="http://schemas.microsoft.com/office/2006/documentManagement/types"/>
+    <ds:schemaRef ds:uri="http://purl.org/dc/elements/1.1/"/>
+    <ds:schemaRef ds:uri="http://www.w3.org/XML/1998/namespace"/>
+    <ds:schemaRef ds:uri="http://schemas.microsoft.com/office/2006/metadata/properties"/>
+    <ds:schemaRef ds:uri="2f2362d9-1d70-4880-8b0c-0794ed068321"/>
+    <ds:schemaRef ds:uri="7bd97606-601a-4b9f-8a6b-43b6b171de71"/>
+    <ds:schemaRef ds:uri="http://purl.org/dc/dcmitype/"/>
+  </ds:schemaRefs>
+</ds:datastoreItem>
 </file>